--- a/app/assets/Presentation1.pptx
+++ b/app/assets/Presentation1.pptx
@@ -109,6 +109,11 @@
       </a:defRPr>
     </a:lvl9pPr>
   </p:defaultTextStyle>
+  <p:extLst>
+    <p:ext uri="{EFAFB233-063F-42B5-8137-9DF3F51BA10A}">
+      <p15:sldGuideLst xmlns:p15="http://schemas.microsoft.com/office/powerpoint/2012/main"/>
+    </p:ext>
+  </p:extLst>
 </p:presentation>
 </file>
 
@@ -3689,7 +3694,7 @@
                                     </p:set>
                                     <p:animEffect transition="in" filter="fade">
                                       <p:cBhvr>
-                                        <p:cTn id="7" dur="500"/>
+                                        <p:cTn id="7" dur="200"/>
                                         <p:tgtEl>
                                           <p:spTgt spid="5"/>
                                         </p:tgtEl>
@@ -3742,7 +3747,7 @@
                                     </p:set>
                                     <p:animEffect transition="in" filter="fade">
                                       <p:cBhvr>
-                                        <p:cTn id="12" dur="500"/>
+                                        <p:cTn id="12" dur="200"/>
                                         <p:tgtEl>
                                           <p:spTgt spid="7"/>
                                         </p:tgtEl>
@@ -3777,7 +3782,7 @@
                                   <p:childTnLst>
                                     <p:animMotion origin="layout" path="M 0 0 L -0.1862 0 " pathEditMode="relative" ptsTypes="AA">
                                       <p:cBhvr>
-                                        <p:cTn id="16" dur="2000" fill="hold"/>
+                                        <p:cTn id="16" dur="200" fill="hold"/>
                                         <p:tgtEl>
                                           <p:spTgt spid="5"/>
                                         </p:tgtEl>
@@ -3798,7 +3803,7 @@
                                   <p:childTnLst>
                                     <p:animMotion origin="layout" path="M 0 0 L -0.1862 0 " pathEditMode="relative" ptsTypes="AA">
                                       <p:cBhvr>
-                                        <p:cTn id="18" dur="2000" fill="hold"/>
+                                        <p:cTn id="18" dur="200" fill="hold"/>
                                         <p:tgtEl>
                                           <p:spTgt spid="7"/>
                                         </p:tgtEl>
@@ -3855,7 +3860,7 @@
                                     </p:set>
                                     <p:animEffect transition="in" filter="fade">
                                       <p:cBhvr>
-                                        <p:cTn id="23" dur="500"/>
+                                        <p:cTn id="23" dur="200"/>
                                         <p:tgtEl>
                                           <p:spTgt spid="8"/>
                                         </p:tgtEl>
@@ -3908,7 +3913,7 @@
                                     </p:set>
                                     <p:animEffect transition="in" filter="fade">
                                       <p:cBhvr>
-                                        <p:cTn id="28" dur="500"/>
+                                        <p:cTn id="28" dur="200"/>
                                         <p:tgtEl>
                                           <p:spTgt spid="9"/>
                                         </p:tgtEl>
@@ -4150,7 +4155,7 @@
                                     </p:set>
                                     <p:animEffect transition="in" filter="fade">
                                       <p:cBhvr>
-                                        <p:cTn id="7" dur="500"/>
+                                        <p:cTn id="7" dur="200"/>
                                         <p:tgtEl>
                                           <p:spTgt spid="3"/>
                                         </p:tgtEl>
@@ -4203,7 +4208,7 @@
                                     </p:set>
                                     <p:animEffect transition="in" filter="fade">
                                       <p:cBhvr>
-                                        <p:cTn id="12" dur="500"/>
+                                        <p:cTn id="12" dur="200"/>
                                         <p:tgtEl>
                                           <p:spTgt spid="8"/>
                                         </p:tgtEl>
@@ -4489,7 +4494,7 @@
                                     </p:set>
                                     <p:animEffect transition="in" filter="fade">
                                       <p:cBhvr>
-                                        <p:cTn id="7" dur="500"/>
+                                        <p:cTn id="7" dur="200"/>
                                         <p:tgtEl>
                                           <p:spTgt spid="6"/>
                                         </p:tgtEl>
@@ -4542,7 +4547,7 @@
                                     </p:set>
                                     <p:animEffect transition="in" filter="fade">
                                       <p:cBhvr>
-                                        <p:cTn id="12" dur="500"/>
+                                        <p:cTn id="12" dur="200"/>
                                         <p:tgtEl>
                                           <p:spTgt spid="3"/>
                                         </p:tgtEl>
@@ -4595,7 +4600,7 @@
                                     </p:set>
                                     <p:animEffect transition="in" filter="fade">
                                       <p:cBhvr>
-                                        <p:cTn id="17" dur="500"/>
+                                        <p:cTn id="17" dur="200"/>
                                         <p:tgtEl>
                                           <p:spTgt spid="10"/>
                                         </p:tgtEl>
@@ -4783,7 +4788,7 @@
                                     </p:set>
                                     <p:animEffect transition="in" filter="fade">
                                       <p:cBhvr>
-                                        <p:cTn id="7" dur="500"/>
+                                        <p:cTn id="7" dur="200"/>
                                         <p:tgtEl>
                                           <p:spTgt spid="5"/>
                                         </p:tgtEl>
@@ -4836,7 +4841,7 @@
                                     </p:set>
                                     <p:animEffect transition="in" filter="fade">
                                       <p:cBhvr>
-                                        <p:cTn id="12" dur="500"/>
+                                        <p:cTn id="12" dur="200"/>
                                         <p:tgtEl>
                                           <p:spTgt spid="7"/>
                                         </p:tgtEl>
@@ -5599,7 +5604,7 @@
                                     </p:set>
                                     <p:animEffect transition="in" filter="fade">
                                       <p:cBhvr>
-                                        <p:cTn id="7" dur="500"/>
+                                        <p:cTn id="7" dur="200"/>
                                         <p:tgtEl>
                                           <p:spTgt spid="4"/>
                                         </p:tgtEl>
@@ -5652,7 +5657,7 @@
                                     </p:set>
                                     <p:animEffect transition="in" filter="fade">
                                       <p:cBhvr>
-                                        <p:cTn id="12" dur="500"/>
+                                        <p:cTn id="12" dur="200"/>
                                         <p:tgtEl>
                                           <p:spTgt spid="6"/>
                                         </p:tgtEl>
@@ -5705,7 +5710,7 @@
                                     </p:set>
                                     <p:animEffect transition="in" filter="fade">
                                       <p:cBhvr>
-                                        <p:cTn id="17" dur="500"/>
+                                        <p:cTn id="17" dur="200"/>
                                         <p:tgtEl>
                                           <p:spTgt spid="8"/>
                                         </p:tgtEl>
@@ -5758,7 +5763,7 @@
                                     </p:set>
                                     <p:animEffect transition="in" filter="fade">
                                       <p:cBhvr>
-                                        <p:cTn id="22" dur="500"/>
+                                        <p:cTn id="22" dur="200"/>
                                         <p:tgtEl>
                                           <p:spTgt spid="9"/>
                                         </p:tgtEl>
@@ -5799,7 +5804,7 @@
                                           </p:stCondLst>
                                         </p:cTn>
                                         <p:tgtEl>
-                                          <p:spTgt spid="16"/>
+                                          <p:spTgt spid="15"/>
                                         </p:tgtEl>
                                         <p:attrNameLst>
                                           <p:attrName>style.visibility</p:attrName>
@@ -5811,9 +5816,9 @@
                                     </p:set>
                                     <p:animEffect transition="in" filter="fade">
                                       <p:cBhvr>
-                                        <p:cTn id="27" dur="500"/>
+                                        <p:cTn id="27" dur="200"/>
                                         <p:tgtEl>
-                                          <p:spTgt spid="16"/>
+                                          <p:spTgt spid="15"/>
                                         </p:tgtEl>
                                       </p:cBhvr>
                                     </p:animEffect>
@@ -5852,6 +5857,112 @@
                                           </p:stCondLst>
                                         </p:cTn>
                                         <p:tgtEl>
+                                          <p:spTgt spid="16"/>
+                                        </p:tgtEl>
+                                        <p:attrNameLst>
+                                          <p:attrName>style.visibility</p:attrName>
+                                        </p:attrNameLst>
+                                      </p:cBhvr>
+                                      <p:to>
+                                        <p:strVal val="visible"/>
+                                      </p:to>
+                                    </p:set>
+                                    <p:animEffect transition="in" filter="fade">
+                                      <p:cBhvr>
+                                        <p:cTn id="32" dur="200"/>
+                                        <p:tgtEl>
+                                          <p:spTgt spid="16"/>
+                                        </p:tgtEl>
+                                      </p:cBhvr>
+                                    </p:animEffect>
+                                  </p:childTnLst>
+                                </p:cTn>
+                              </p:par>
+                            </p:childTnLst>
+                          </p:cTn>
+                        </p:par>
+                      </p:childTnLst>
+                    </p:cTn>
+                  </p:par>
+                  <p:par>
+                    <p:cTn id="33" fill="hold">
+                      <p:stCondLst>
+                        <p:cond delay="indefinite"/>
+                      </p:stCondLst>
+                      <p:childTnLst>
+                        <p:par>
+                          <p:cTn id="34" fill="hold">
+                            <p:stCondLst>
+                              <p:cond delay="0"/>
+                            </p:stCondLst>
+                            <p:childTnLst>
+                              <p:par>
+                                <p:cTn id="35" presetID="10" presetClass="entr" presetSubtype="0" fill="hold" grpId="0" nodeType="clickEffect">
+                                  <p:stCondLst>
+                                    <p:cond delay="0"/>
+                                  </p:stCondLst>
+                                  <p:childTnLst>
+                                    <p:set>
+                                      <p:cBhvr>
+                                        <p:cTn id="36" dur="1" fill="hold">
+                                          <p:stCondLst>
+                                            <p:cond delay="0"/>
+                                          </p:stCondLst>
+                                        </p:cTn>
+                                        <p:tgtEl>
+                                          <p:spTgt spid="17"/>
+                                        </p:tgtEl>
+                                        <p:attrNameLst>
+                                          <p:attrName>style.visibility</p:attrName>
+                                        </p:attrNameLst>
+                                      </p:cBhvr>
+                                      <p:to>
+                                        <p:strVal val="visible"/>
+                                      </p:to>
+                                    </p:set>
+                                    <p:animEffect transition="in" filter="fade">
+                                      <p:cBhvr>
+                                        <p:cTn id="37" dur="200"/>
+                                        <p:tgtEl>
+                                          <p:spTgt spid="17"/>
+                                        </p:tgtEl>
+                                      </p:cBhvr>
+                                    </p:animEffect>
+                                  </p:childTnLst>
+                                </p:cTn>
+                              </p:par>
+                            </p:childTnLst>
+                          </p:cTn>
+                        </p:par>
+                      </p:childTnLst>
+                    </p:cTn>
+                  </p:par>
+                  <p:par>
+                    <p:cTn id="38" fill="hold">
+                      <p:stCondLst>
+                        <p:cond delay="indefinite"/>
+                      </p:stCondLst>
+                      <p:childTnLst>
+                        <p:par>
+                          <p:cTn id="39" fill="hold">
+                            <p:stCondLst>
+                              <p:cond delay="0"/>
+                            </p:stCondLst>
+                            <p:childTnLst>
+                              <p:par>
+                                <p:cTn id="40" presetID="10" presetClass="entr" presetSubtype="0" fill="hold" grpId="0" nodeType="clickEffect">
+                                  <p:stCondLst>
+                                    <p:cond delay="0"/>
+                                  </p:stCondLst>
+                                  <p:childTnLst>
+                                    <p:set>
+                                      <p:cBhvr>
+                                        <p:cTn id="41" dur="1" fill="hold">
+                                          <p:stCondLst>
+                                            <p:cond delay="0"/>
+                                          </p:stCondLst>
+                                        </p:cTn>
+                                        <p:tgtEl>
                                           <p:spTgt spid="18"/>
                                         </p:tgtEl>
                                         <p:attrNameLst>
@@ -5864,7 +5975,7 @@
                                     </p:set>
                                     <p:animEffect transition="in" filter="fade">
                                       <p:cBhvr>
-                                        <p:cTn id="32" dur="500"/>
+                                        <p:cTn id="42" dur="200"/>
                                         <p:tgtEl>
                                           <p:spTgt spid="18"/>
                                         </p:tgtEl>
@@ -5905,7 +6016,9 @@
       <p:bldP spid="6" grpId="0"/>
       <p:bldP spid="8" grpId="0"/>
       <p:bldP spid="9" grpId="0"/>
+      <p:bldP spid="15" grpId="0" animBg="1"/>
       <p:bldP spid="16" grpId="0"/>
+      <p:bldP spid="17" grpId="0" animBg="1"/>
       <p:bldP spid="18" grpId="0"/>
     </p:bldLst>
   </p:timing>
@@ -6219,7 +6332,7 @@
                                           </p:stCondLst>
                                         </p:cTn>
                                         <p:tgtEl>
-                                          <p:spTgt spid="4"/>
+                                          <p:spTgt spid="9"/>
                                         </p:tgtEl>
                                         <p:attrNameLst>
                                           <p:attrName>style.visibility</p:attrName>
@@ -6231,9 +6344,9 @@
                                     </p:set>
                                     <p:animEffect transition="in" filter="fade">
                                       <p:cBhvr>
-                                        <p:cTn id="7" dur="500"/>
+                                        <p:cTn id="7" dur="200"/>
                                         <p:tgtEl>
-                                          <p:spTgt spid="4"/>
+                                          <p:spTgt spid="9"/>
                                         </p:tgtEl>
                                       </p:cBhvr>
                                     </p:animEffect>
@@ -6284,7 +6397,7 @@
                                     </p:set>
                                     <p:animEffect transition="in" filter="fade">
                                       <p:cBhvr>
-                                        <p:cTn id="12" dur="500"/>
+                                        <p:cTn id="12" dur="200"/>
                                         <p:tgtEl>
                                           <p:spTgt spid="6"/>
                                         </p:tgtEl>
@@ -6325,7 +6438,7 @@
                                           </p:stCondLst>
                                         </p:cTn>
                                         <p:tgtEl>
-                                          <p:spTgt spid="9"/>
+                                          <p:spTgt spid="4"/>
                                         </p:tgtEl>
                                         <p:attrNameLst>
                                           <p:attrName>style.visibility</p:attrName>
@@ -6337,9 +6450,9 @@
                                     </p:set>
                                     <p:animEffect transition="in" filter="fade">
                                       <p:cBhvr>
-                                        <p:cTn id="17" dur="500"/>
+                                        <p:cTn id="17" dur="200"/>
                                         <p:tgtEl>
-                                          <p:spTgt spid="9"/>
+                                          <p:spTgt spid="4"/>
                                         </p:tgtEl>
                                       </p:cBhvr>
                                     </p:animEffect>

--- a/app/assets/Presentation1.pptx
+++ b/app/assets/Presentation1.pptx
@@ -11,6 +11,7 @@
     <p:sldId id="259" r:id="rId5"/>
     <p:sldId id="261" r:id="rId6"/>
     <p:sldId id="260" r:id="rId7"/>
+    <p:sldId id="262" r:id="rId8"/>
   </p:sldIdLst>
   <p:sldSz cx="12192000" cy="6858000"/>
   <p:notesSz cx="6858000" cy="9144000"/>
@@ -5017,7 +5018,7 @@
               <a:rPr lang="en-US" sz="2000" dirty="0" err="1">
                 <a:latin typeface="American Typewriter" panose="02090604020004020304" pitchFamily="18" charset="77"/>
               </a:rPr>
-              <a:t>notícas</a:t>
+              <a:t>notícias</a:t>
             </a:r>
             <a:r>
               <a:rPr lang="en-US" sz="2000" dirty="0">
@@ -5506,8 +5507,8 @@
         </p:nvSpPr>
         <p:spPr>
           <a:xfrm>
-            <a:off x="1913467" y="5073726"/>
-            <a:ext cx="3582005" cy="1261884"/>
+            <a:off x="1517905" y="5073726"/>
+            <a:ext cx="3977568" cy="1261884"/>
           </a:xfrm>
           <a:prstGeom prst="rect">
             <a:avLst/>
@@ -5534,7 +5535,7 @@
               <a:rPr lang="pt-BR" sz="2000" dirty="0">
                 <a:latin typeface="American Typewriter" panose="02090604020004020304" pitchFamily="18" charset="77"/>
               </a:rPr>
-              <a:t>Sobre pautas muito pedidas que ainda não foi </a:t>
+              <a:t>Sobre pautas muito pedidas que ainda não foram </a:t>
             </a:r>
             <a:r>
               <a:rPr lang="pt-BR" sz="2000" dirty="0" err="1">
@@ -6288,6 +6289,107 @@
           </a:p>
         </p:txBody>
       </p:sp>
+      <p:sp>
+        <p:nvSpPr>
+          <p:cNvPr id="5" name="TextBox 4">
+            <a:extLst>
+              <a:ext uri="{FF2B5EF4-FFF2-40B4-BE49-F238E27FC236}">
+                <a16:creationId xmlns:a16="http://schemas.microsoft.com/office/drawing/2014/main" id="{8B0FC1C0-4B59-D940-883F-89A5AD83B237}"/>
+              </a:ext>
+            </a:extLst>
+          </p:cNvPr>
+          <p:cNvSpPr txBox="1"/>
+          <p:nvPr/>
+        </p:nvSpPr>
+        <p:spPr>
+          <a:xfrm>
+            <a:off x="6799340" y="3330882"/>
+            <a:ext cx="4308928" cy="2800767"/>
+          </a:xfrm>
+          <a:prstGeom prst="rect">
+            <a:avLst/>
+          </a:prstGeom>
+          <a:noFill/>
+        </p:spPr>
+        <p:txBody>
+          <a:bodyPr wrap="square" rtlCol="0">
+            <a:spAutoFit/>
+          </a:bodyPr>
+          <a:lstStyle/>
+          <a:p>
+            <a:pPr algn="ctr"/>
+            <a:r>
+              <a:rPr lang="pt-BR" sz="2400" dirty="0">
+                <a:latin typeface="American Typewriter" panose="02090604020004020304" pitchFamily="18" charset="77"/>
+              </a:rPr>
+              <a:t>Aproximar o</a:t>
+            </a:r>
+          </a:p>
+          <a:p>
+            <a:pPr algn="ctr"/>
+            <a:r>
+              <a:rPr lang="pt-BR" sz="3600" dirty="0" err="1">
+                <a:latin typeface="American Typewriter" panose="02090604020004020304" pitchFamily="18" charset="77"/>
+              </a:rPr>
+              <a:t>P</a:t>
+            </a:r>
+            <a:r>
+              <a:rPr lang="en-US" sz="3600" dirty="0" err="1">
+                <a:latin typeface="American Typewriter" panose="02090604020004020304" pitchFamily="18" charset="77"/>
+              </a:rPr>
+              <a:t>úblico</a:t>
+            </a:r>
+            <a:endParaRPr lang="pt-BR" sz="3600" dirty="0">
+              <a:latin typeface="American Typewriter" panose="02090604020004020304" pitchFamily="18" charset="77"/>
+            </a:endParaRPr>
+          </a:p>
+          <a:p>
+            <a:pPr algn="ctr"/>
+            <a:r>
+              <a:rPr lang="pt-BR" sz="2400" dirty="0">
+                <a:latin typeface="American Typewriter" panose="02090604020004020304" pitchFamily="18" charset="77"/>
+              </a:rPr>
+              <a:t>E gerar</a:t>
+            </a:r>
+          </a:p>
+          <a:p>
+            <a:pPr algn="ctr"/>
+            <a:r>
+              <a:rPr lang="pt-BR" sz="3600" dirty="0" err="1">
+                <a:latin typeface="American Typewriter" panose="02090604020004020304" pitchFamily="18" charset="77"/>
+              </a:rPr>
+              <a:t>participaç</a:t>
+            </a:r>
+            <a:r>
+              <a:rPr lang="en-US" sz="3600" dirty="0" err="1">
+                <a:latin typeface="American Typewriter" panose="02090604020004020304" pitchFamily="18" charset="77"/>
+              </a:rPr>
+              <a:t>ão</a:t>
+            </a:r>
+            <a:endParaRPr lang="pt-BR" sz="3600" dirty="0">
+              <a:latin typeface="American Typewriter" panose="02090604020004020304" pitchFamily="18" charset="77"/>
+            </a:endParaRPr>
+          </a:p>
+          <a:p>
+            <a:pPr algn="ctr"/>
+            <a:r>
+              <a:rPr lang="pt-BR" sz="2000" dirty="0">
+                <a:latin typeface="American Typewriter" panose="02090604020004020304" pitchFamily="18" charset="77"/>
+              </a:rPr>
+              <a:t>com a</a:t>
+            </a:r>
+          </a:p>
+          <a:p>
+            <a:pPr algn="ctr"/>
+            <a:r>
+              <a:rPr lang="pt-BR" sz="3600" dirty="0">
+                <a:latin typeface="American Typewriter" panose="02090604020004020304" pitchFamily="18" charset="77"/>
+              </a:rPr>
+              <a:t>Globo</a:t>
+            </a:r>
+          </a:p>
+        </p:txBody>
+      </p:sp>
     </p:spTree>
     <p:extLst>
       <p:ext uri="{BB962C8B-B14F-4D97-AF65-F5344CB8AC3E}">
@@ -6465,6 +6567,59 @@
                       </p:childTnLst>
                     </p:cTn>
                   </p:par>
+                  <p:par>
+                    <p:cTn id="18" fill="hold">
+                      <p:stCondLst>
+                        <p:cond delay="indefinite"/>
+                      </p:stCondLst>
+                      <p:childTnLst>
+                        <p:par>
+                          <p:cTn id="19" fill="hold">
+                            <p:stCondLst>
+                              <p:cond delay="0"/>
+                            </p:stCondLst>
+                            <p:childTnLst>
+                              <p:par>
+                                <p:cTn id="20" presetID="10" presetClass="entr" presetSubtype="0" fill="hold" grpId="0" nodeType="clickEffect">
+                                  <p:stCondLst>
+                                    <p:cond delay="0"/>
+                                  </p:stCondLst>
+                                  <p:childTnLst>
+                                    <p:set>
+                                      <p:cBhvr>
+                                        <p:cTn id="21" dur="1" fill="hold">
+                                          <p:stCondLst>
+                                            <p:cond delay="0"/>
+                                          </p:stCondLst>
+                                        </p:cTn>
+                                        <p:tgtEl>
+                                          <p:spTgt spid="5"/>
+                                        </p:tgtEl>
+                                        <p:attrNameLst>
+                                          <p:attrName>style.visibility</p:attrName>
+                                        </p:attrNameLst>
+                                      </p:cBhvr>
+                                      <p:to>
+                                        <p:strVal val="visible"/>
+                                      </p:to>
+                                    </p:set>
+                                    <p:animEffect transition="in" filter="fade">
+                                      <p:cBhvr>
+                                        <p:cTn id="22" dur="200"/>
+                                        <p:tgtEl>
+                                          <p:spTgt spid="5"/>
+                                        </p:tgtEl>
+                                      </p:cBhvr>
+                                    </p:animEffect>
+                                  </p:childTnLst>
+                                </p:cTn>
+                              </p:par>
+                            </p:childTnLst>
+                          </p:cTn>
+                        </p:par>
+                      </p:childTnLst>
+                    </p:cTn>
+                  </p:par>
                 </p:childTnLst>
               </p:cTn>
               <p:prevCondLst>
@@ -6490,6 +6645,845 @@
       <p:bldP spid="4" grpId="0"/>
       <p:bldP spid="6" grpId="0"/>
       <p:bldP spid="9" grpId="0"/>
+      <p:bldP spid="5" grpId="0"/>
+    </p:bldLst>
+  </p:timing>
+</p:sld>
+</file>
+
+<file path=ppt/slides/slide7.xml><?xml version="1.0" encoding="utf-8"?>
+<p:sld xmlns:a="http://schemas.openxmlformats.org/drawingml/2006/main" xmlns:r="http://schemas.openxmlformats.org/officeDocument/2006/relationships" xmlns:p="http://schemas.openxmlformats.org/presentationml/2006/main">
+  <p:cSld>
+    <p:spTree>
+      <p:nvGrpSpPr>
+        <p:cNvPr id="1" name=""/>
+        <p:cNvGrpSpPr/>
+        <p:nvPr/>
+      </p:nvGrpSpPr>
+      <p:grpSpPr>
+        <a:xfrm>
+          <a:off x="0" y="0"/>
+          <a:ext cx="0" cy="0"/>
+          <a:chOff x="0" y="0"/>
+          <a:chExt cx="0" cy="0"/>
+        </a:xfrm>
+      </p:grpSpPr>
+      <p:sp>
+        <p:nvSpPr>
+          <p:cNvPr id="9" name="TextBox 8">
+            <a:extLst>
+              <a:ext uri="{FF2B5EF4-FFF2-40B4-BE49-F238E27FC236}">
+                <a16:creationId xmlns:a16="http://schemas.microsoft.com/office/drawing/2014/main" id="{04A0A947-5569-F342-8AD4-F1444C4ACC1C}"/>
+              </a:ext>
+            </a:extLst>
+          </p:cNvPr>
+          <p:cNvSpPr txBox="1"/>
+          <p:nvPr/>
+        </p:nvSpPr>
+        <p:spPr>
+          <a:xfrm>
+            <a:off x="1058939" y="1363463"/>
+            <a:ext cx="4308928" cy="1015663"/>
+          </a:xfrm>
+          <a:prstGeom prst="rect">
+            <a:avLst/>
+          </a:prstGeom>
+          <a:noFill/>
+        </p:spPr>
+        <p:txBody>
+          <a:bodyPr wrap="square" rtlCol="0">
+            <a:spAutoFit/>
+          </a:bodyPr>
+          <a:lstStyle/>
+          <a:p>
+            <a:pPr algn="ctr"/>
+            <a:r>
+              <a:rPr lang="pt-BR" sz="2400" dirty="0">
+                <a:latin typeface="American Typewriter" panose="02090604020004020304" pitchFamily="18" charset="77"/>
+              </a:rPr>
+              <a:t>Fácil de gerar </a:t>
+            </a:r>
+          </a:p>
+          <a:p>
+            <a:pPr algn="ctr"/>
+            <a:r>
+              <a:rPr lang="pt-BR" sz="3600" dirty="0">
+                <a:latin typeface="American Typewriter" panose="02090604020004020304" pitchFamily="18" charset="77"/>
+              </a:rPr>
+              <a:t>engajamento</a:t>
+            </a:r>
+            <a:endParaRPr lang="pt-BR" sz="2400" dirty="0">
+              <a:latin typeface="American Typewriter" panose="02090604020004020304" pitchFamily="18" charset="77"/>
+            </a:endParaRPr>
+          </a:p>
+        </p:txBody>
+      </p:sp>
+      <p:sp>
+        <p:nvSpPr>
+          <p:cNvPr id="7" name="TextBox 6">
+            <a:extLst>
+              <a:ext uri="{FF2B5EF4-FFF2-40B4-BE49-F238E27FC236}">
+                <a16:creationId xmlns:a16="http://schemas.microsoft.com/office/drawing/2014/main" id="{625C97B4-A1E1-9945-AD7D-5DABF7453453}"/>
+              </a:ext>
+            </a:extLst>
+          </p:cNvPr>
+          <p:cNvSpPr txBox="1"/>
+          <p:nvPr/>
+        </p:nvSpPr>
+        <p:spPr>
+          <a:xfrm>
+            <a:off x="7215734" y="4163160"/>
+            <a:ext cx="4308928" cy="1754326"/>
+          </a:xfrm>
+          <a:prstGeom prst="rect">
+            <a:avLst/>
+          </a:prstGeom>
+          <a:noFill/>
+        </p:spPr>
+        <p:txBody>
+          <a:bodyPr wrap="square" rtlCol="0">
+            <a:spAutoFit/>
+          </a:bodyPr>
+          <a:lstStyle/>
+          <a:p>
+            <a:pPr algn="ctr"/>
+            <a:r>
+              <a:rPr lang="pt-BR" sz="2400" dirty="0">
+                <a:latin typeface="American Typewriter" panose="02090604020004020304" pitchFamily="18" charset="77"/>
+              </a:rPr>
+              <a:t>Principalmente no setor</a:t>
+            </a:r>
+          </a:p>
+          <a:p>
+            <a:pPr algn="ctr"/>
+            <a:r>
+              <a:rPr lang="pt-BR" sz="2400" dirty="0">
+                <a:latin typeface="American Typewriter" panose="02090604020004020304" pitchFamily="18" charset="77"/>
+              </a:rPr>
+              <a:t>de</a:t>
+            </a:r>
+          </a:p>
+          <a:p>
+            <a:pPr algn="ctr"/>
+            <a:r>
+              <a:rPr lang="pt-BR" sz="3600" dirty="0">
+                <a:latin typeface="American Typewriter" panose="02090604020004020304" pitchFamily="18" charset="77"/>
+              </a:rPr>
+              <a:t>Boatos</a:t>
+            </a:r>
+          </a:p>
+          <a:p>
+            <a:pPr algn="ctr"/>
+            <a:r>
+              <a:rPr lang="pt-BR" sz="2400" dirty="0">
+                <a:latin typeface="American Typewriter" panose="02090604020004020304" pitchFamily="18" charset="77"/>
+              </a:rPr>
+              <a:t>Do site</a:t>
+            </a:r>
+          </a:p>
+        </p:txBody>
+      </p:sp>
+      <p:sp>
+        <p:nvSpPr>
+          <p:cNvPr id="8" name="TextBox 7">
+            <a:extLst>
+              <a:ext uri="{FF2B5EF4-FFF2-40B4-BE49-F238E27FC236}">
+                <a16:creationId xmlns:a16="http://schemas.microsoft.com/office/drawing/2014/main" id="{08C25A81-F5AF-AB42-8A5A-B5590F050B41}"/>
+              </a:ext>
+            </a:extLst>
+          </p:cNvPr>
+          <p:cNvSpPr txBox="1"/>
+          <p:nvPr/>
+        </p:nvSpPr>
+        <p:spPr>
+          <a:xfrm>
+            <a:off x="7215735" y="1110884"/>
+            <a:ext cx="4308928" cy="1692771"/>
+          </a:xfrm>
+          <a:prstGeom prst="rect">
+            <a:avLst/>
+          </a:prstGeom>
+          <a:noFill/>
+        </p:spPr>
+        <p:txBody>
+          <a:bodyPr wrap="square" rtlCol="0">
+            <a:spAutoFit/>
+          </a:bodyPr>
+          <a:lstStyle/>
+          <a:p>
+            <a:pPr algn="ctr"/>
+            <a:r>
+              <a:rPr lang="pt-BR" sz="2000" dirty="0">
+                <a:latin typeface="American Typewriter" panose="02090604020004020304" pitchFamily="18" charset="77"/>
+              </a:rPr>
+              <a:t>o próprio</a:t>
+            </a:r>
+            <a:r>
+              <a:rPr lang="pt-BR" sz="2400" dirty="0">
+                <a:latin typeface="American Typewriter" panose="02090604020004020304" pitchFamily="18" charset="77"/>
+              </a:rPr>
+              <a:t> </a:t>
+            </a:r>
+          </a:p>
+          <a:p>
+            <a:pPr algn="ctr"/>
+            <a:r>
+              <a:rPr lang="pt-BR" sz="4000" dirty="0">
+                <a:latin typeface="American Typewriter" panose="02090604020004020304" pitchFamily="18" charset="77"/>
+              </a:rPr>
+              <a:t>G1</a:t>
+            </a:r>
+            <a:endParaRPr lang="pt-BR" sz="3600" dirty="0">
+              <a:latin typeface="American Typewriter" panose="02090604020004020304" pitchFamily="18" charset="77"/>
+            </a:endParaRPr>
+          </a:p>
+          <a:p>
+            <a:pPr algn="ctr"/>
+            <a:r>
+              <a:rPr lang="pt-BR" sz="2000" dirty="0">
+                <a:latin typeface="American Typewriter" panose="02090604020004020304" pitchFamily="18" charset="77"/>
+              </a:rPr>
+              <a:t>pode incentivar seus usuários a acessá-lo</a:t>
+            </a:r>
+          </a:p>
+        </p:txBody>
+      </p:sp>
+      <p:sp>
+        <p:nvSpPr>
+          <p:cNvPr id="10" name="Down Arrow 9">
+            <a:extLst>
+              <a:ext uri="{FF2B5EF4-FFF2-40B4-BE49-F238E27FC236}">
+                <a16:creationId xmlns:a16="http://schemas.microsoft.com/office/drawing/2014/main" id="{0453C5DF-904A-9647-8BE0-20B545B363C6}"/>
+              </a:ext>
+            </a:extLst>
+          </p:cNvPr>
+          <p:cNvSpPr/>
+          <p:nvPr/>
+        </p:nvSpPr>
+        <p:spPr>
+          <a:xfrm>
+            <a:off x="9056932" y="3016850"/>
+            <a:ext cx="626533" cy="933115"/>
+          </a:xfrm>
+          <a:prstGeom prst="downArrow">
+            <a:avLst/>
+          </a:prstGeom>
+        </p:spPr>
+        <p:style>
+          <a:lnRef idx="2">
+            <a:schemeClr val="dk1">
+              <a:shade val="50000"/>
+            </a:schemeClr>
+          </a:lnRef>
+          <a:fillRef idx="1">
+            <a:schemeClr val="dk1"/>
+          </a:fillRef>
+          <a:effectRef idx="0">
+            <a:schemeClr val="dk1"/>
+          </a:effectRef>
+          <a:fontRef idx="minor">
+            <a:schemeClr val="lt1"/>
+          </a:fontRef>
+        </p:style>
+        <p:txBody>
+          <a:bodyPr rtlCol="0" anchor="ctr"/>
+          <a:lstStyle/>
+          <a:p>
+            <a:pPr algn="ctr"/>
+            <a:endParaRPr lang="en-US"/>
+          </a:p>
+        </p:txBody>
+      </p:sp>
+      <p:sp>
+        <p:nvSpPr>
+          <p:cNvPr id="11" name="Down Arrow 10">
+            <a:extLst>
+              <a:ext uri="{FF2B5EF4-FFF2-40B4-BE49-F238E27FC236}">
+                <a16:creationId xmlns:a16="http://schemas.microsoft.com/office/drawing/2014/main" id="{8E9FEB12-8341-E143-84A3-B0ED4B73BD07}"/>
+              </a:ext>
+            </a:extLst>
+          </p:cNvPr>
+          <p:cNvSpPr/>
+          <p:nvPr/>
+        </p:nvSpPr>
+        <p:spPr>
+          <a:xfrm rot="16200000">
+            <a:off x="5902417" y="1404738"/>
+            <a:ext cx="626533" cy="933115"/>
+          </a:xfrm>
+          <a:prstGeom prst="downArrow">
+            <a:avLst/>
+          </a:prstGeom>
+        </p:spPr>
+        <p:style>
+          <a:lnRef idx="2">
+            <a:schemeClr val="dk1">
+              <a:shade val="50000"/>
+            </a:schemeClr>
+          </a:lnRef>
+          <a:fillRef idx="1">
+            <a:schemeClr val="dk1"/>
+          </a:fillRef>
+          <a:effectRef idx="0">
+            <a:schemeClr val="dk1"/>
+          </a:effectRef>
+          <a:fontRef idx="minor">
+            <a:schemeClr val="lt1"/>
+          </a:fontRef>
+        </p:style>
+        <p:txBody>
+          <a:bodyPr rtlCol="0" anchor="ctr"/>
+          <a:lstStyle/>
+          <a:p>
+            <a:pPr algn="ctr"/>
+            <a:endParaRPr lang="en-US"/>
+          </a:p>
+        </p:txBody>
+      </p:sp>
+      <p:sp>
+        <p:nvSpPr>
+          <p:cNvPr id="12" name="TextBox 11">
+            <a:extLst>
+              <a:ext uri="{FF2B5EF4-FFF2-40B4-BE49-F238E27FC236}">
+                <a16:creationId xmlns:a16="http://schemas.microsoft.com/office/drawing/2014/main" id="{FCEFFD16-AC6C-D449-BF39-D2E56FF4443D}"/>
+              </a:ext>
+            </a:extLst>
+          </p:cNvPr>
+          <p:cNvSpPr txBox="1"/>
+          <p:nvPr/>
+        </p:nvSpPr>
+        <p:spPr>
+          <a:xfrm>
+            <a:off x="1058939" y="3886161"/>
+            <a:ext cx="4308928" cy="2308324"/>
+          </a:xfrm>
+          <a:prstGeom prst="rect">
+            <a:avLst/>
+          </a:prstGeom>
+          <a:noFill/>
+        </p:spPr>
+        <p:txBody>
+          <a:bodyPr wrap="square" rtlCol="0">
+            <a:spAutoFit/>
+          </a:bodyPr>
+          <a:lstStyle/>
+          <a:p>
+            <a:pPr algn="ctr"/>
+            <a:r>
+              <a:rPr lang="pt-BR" sz="3600" dirty="0">
+                <a:latin typeface="American Typewriter" panose="02090604020004020304" pitchFamily="18" charset="77"/>
+              </a:rPr>
+              <a:t>Usuários </a:t>
+            </a:r>
+          </a:p>
+          <a:p>
+            <a:pPr algn="ctr"/>
+            <a:r>
+              <a:rPr lang="pt-BR" sz="2400" dirty="0">
+                <a:latin typeface="American Typewriter" panose="02090604020004020304" pitchFamily="18" charset="77"/>
+              </a:rPr>
+              <a:t>e </a:t>
+            </a:r>
+          </a:p>
+          <a:p>
+            <a:pPr algn="ctr"/>
+            <a:r>
+              <a:rPr lang="pt-BR" sz="3600" dirty="0">
+                <a:latin typeface="American Typewriter" panose="02090604020004020304" pitchFamily="18" charset="77"/>
+              </a:rPr>
+              <a:t>Redatores</a:t>
+            </a:r>
+            <a:r>
+              <a:rPr lang="pt-BR" sz="2400" dirty="0">
+                <a:latin typeface="American Typewriter" panose="02090604020004020304" pitchFamily="18" charset="77"/>
+              </a:rPr>
+              <a:t> </a:t>
+            </a:r>
+          </a:p>
+          <a:p>
+            <a:pPr algn="ctr"/>
+            <a:r>
+              <a:rPr lang="pt-BR" sz="2400" dirty="0">
+                <a:latin typeface="American Typewriter" panose="02090604020004020304" pitchFamily="18" charset="77"/>
+              </a:rPr>
+              <a:t>ganham muito </a:t>
+            </a:r>
+          </a:p>
+          <a:p>
+            <a:pPr algn="ctr"/>
+            <a:r>
+              <a:rPr lang="pt-BR" sz="2400" dirty="0">
+                <a:latin typeface="American Typewriter" panose="02090604020004020304" pitchFamily="18" charset="77"/>
+              </a:rPr>
+              <a:t>com isso</a:t>
+            </a:r>
+          </a:p>
+        </p:txBody>
+      </p:sp>
+      <p:sp>
+        <p:nvSpPr>
+          <p:cNvPr id="13" name="Down Arrow 12">
+            <a:extLst>
+              <a:ext uri="{FF2B5EF4-FFF2-40B4-BE49-F238E27FC236}">
+                <a16:creationId xmlns:a16="http://schemas.microsoft.com/office/drawing/2014/main" id="{488FCA8C-83C7-7A4B-B329-B019926139CD}"/>
+              </a:ext>
+            </a:extLst>
+          </p:cNvPr>
+          <p:cNvSpPr/>
+          <p:nvPr/>
+        </p:nvSpPr>
+        <p:spPr>
+          <a:xfrm rot="5400000">
+            <a:off x="5902416" y="4573765"/>
+            <a:ext cx="626533" cy="933115"/>
+          </a:xfrm>
+          <a:prstGeom prst="downArrow">
+            <a:avLst/>
+          </a:prstGeom>
+        </p:spPr>
+        <p:style>
+          <a:lnRef idx="2">
+            <a:schemeClr val="dk1">
+              <a:shade val="50000"/>
+            </a:schemeClr>
+          </a:lnRef>
+          <a:fillRef idx="1">
+            <a:schemeClr val="dk1"/>
+          </a:fillRef>
+          <a:effectRef idx="0">
+            <a:schemeClr val="dk1"/>
+          </a:effectRef>
+          <a:fontRef idx="minor">
+            <a:schemeClr val="lt1"/>
+          </a:fontRef>
+        </p:style>
+        <p:txBody>
+          <a:bodyPr rtlCol="0" anchor="ctr"/>
+          <a:lstStyle/>
+          <a:p>
+            <a:pPr algn="ctr"/>
+            <a:endParaRPr lang="en-US"/>
+          </a:p>
+        </p:txBody>
+      </p:sp>
+    </p:spTree>
+    <p:extLst>
+      <p:ext uri="{BB962C8B-B14F-4D97-AF65-F5344CB8AC3E}">
+        <p14:creationId xmlns:p14="http://schemas.microsoft.com/office/powerpoint/2010/main" val="4185902381"/>
+      </p:ext>
+    </p:extLst>
+  </p:cSld>
+  <p:clrMapOvr>
+    <a:masterClrMapping/>
+  </p:clrMapOvr>
+  <p:timing>
+    <p:tnLst>
+      <p:par>
+        <p:cTn id="1" dur="indefinite" restart="never" nodeType="tmRoot">
+          <p:childTnLst>
+            <p:seq concurrent="1" nextAc="seek">
+              <p:cTn id="2" dur="indefinite" nodeType="mainSeq">
+                <p:childTnLst>
+                  <p:par>
+                    <p:cTn id="3" fill="hold">
+                      <p:stCondLst>
+                        <p:cond delay="indefinite"/>
+                      </p:stCondLst>
+                      <p:childTnLst>
+                        <p:par>
+                          <p:cTn id="4" fill="hold">
+                            <p:stCondLst>
+                              <p:cond delay="0"/>
+                            </p:stCondLst>
+                            <p:childTnLst>
+                              <p:par>
+                                <p:cTn id="5" presetID="10" presetClass="entr" presetSubtype="0" fill="hold" grpId="0" nodeType="clickEffect">
+                                  <p:stCondLst>
+                                    <p:cond delay="0"/>
+                                  </p:stCondLst>
+                                  <p:childTnLst>
+                                    <p:set>
+                                      <p:cBhvr>
+                                        <p:cTn id="6" dur="1" fill="hold">
+                                          <p:stCondLst>
+                                            <p:cond delay="0"/>
+                                          </p:stCondLst>
+                                        </p:cTn>
+                                        <p:tgtEl>
+                                          <p:spTgt spid="9"/>
+                                        </p:tgtEl>
+                                        <p:attrNameLst>
+                                          <p:attrName>style.visibility</p:attrName>
+                                        </p:attrNameLst>
+                                      </p:cBhvr>
+                                      <p:to>
+                                        <p:strVal val="visible"/>
+                                      </p:to>
+                                    </p:set>
+                                    <p:animEffect transition="in" filter="fade">
+                                      <p:cBhvr>
+                                        <p:cTn id="7" dur="200"/>
+                                        <p:tgtEl>
+                                          <p:spTgt spid="9"/>
+                                        </p:tgtEl>
+                                      </p:cBhvr>
+                                    </p:animEffect>
+                                  </p:childTnLst>
+                                </p:cTn>
+                              </p:par>
+                            </p:childTnLst>
+                          </p:cTn>
+                        </p:par>
+                      </p:childTnLst>
+                    </p:cTn>
+                  </p:par>
+                  <p:par>
+                    <p:cTn id="8" fill="hold">
+                      <p:stCondLst>
+                        <p:cond delay="indefinite"/>
+                      </p:stCondLst>
+                      <p:childTnLst>
+                        <p:par>
+                          <p:cTn id="9" fill="hold">
+                            <p:stCondLst>
+                              <p:cond delay="0"/>
+                            </p:stCondLst>
+                            <p:childTnLst>
+                              <p:par>
+                                <p:cTn id="10" presetID="10" presetClass="entr" presetSubtype="0" fill="hold" grpId="0" nodeType="clickEffect">
+                                  <p:stCondLst>
+                                    <p:cond delay="0"/>
+                                  </p:stCondLst>
+                                  <p:childTnLst>
+                                    <p:set>
+                                      <p:cBhvr>
+                                        <p:cTn id="11" dur="1" fill="hold">
+                                          <p:stCondLst>
+                                            <p:cond delay="0"/>
+                                          </p:stCondLst>
+                                        </p:cTn>
+                                        <p:tgtEl>
+                                          <p:spTgt spid="11"/>
+                                        </p:tgtEl>
+                                        <p:attrNameLst>
+                                          <p:attrName>style.visibility</p:attrName>
+                                        </p:attrNameLst>
+                                      </p:cBhvr>
+                                      <p:to>
+                                        <p:strVal val="visible"/>
+                                      </p:to>
+                                    </p:set>
+                                    <p:animEffect transition="in" filter="fade">
+                                      <p:cBhvr>
+                                        <p:cTn id="12" dur="200"/>
+                                        <p:tgtEl>
+                                          <p:spTgt spid="11"/>
+                                        </p:tgtEl>
+                                      </p:cBhvr>
+                                    </p:animEffect>
+                                  </p:childTnLst>
+                                </p:cTn>
+                              </p:par>
+                            </p:childTnLst>
+                          </p:cTn>
+                        </p:par>
+                      </p:childTnLst>
+                    </p:cTn>
+                  </p:par>
+                  <p:par>
+                    <p:cTn id="13" fill="hold">
+                      <p:stCondLst>
+                        <p:cond delay="indefinite"/>
+                      </p:stCondLst>
+                      <p:childTnLst>
+                        <p:par>
+                          <p:cTn id="14" fill="hold">
+                            <p:stCondLst>
+                              <p:cond delay="0"/>
+                            </p:stCondLst>
+                            <p:childTnLst>
+                              <p:par>
+                                <p:cTn id="15" presetID="10" presetClass="entr" presetSubtype="0" fill="hold" grpId="0" nodeType="clickEffect">
+                                  <p:stCondLst>
+                                    <p:cond delay="0"/>
+                                  </p:stCondLst>
+                                  <p:childTnLst>
+                                    <p:set>
+                                      <p:cBhvr>
+                                        <p:cTn id="16" dur="1" fill="hold">
+                                          <p:stCondLst>
+                                            <p:cond delay="0"/>
+                                          </p:stCondLst>
+                                        </p:cTn>
+                                        <p:tgtEl>
+                                          <p:spTgt spid="8"/>
+                                        </p:tgtEl>
+                                        <p:attrNameLst>
+                                          <p:attrName>style.visibility</p:attrName>
+                                        </p:attrNameLst>
+                                      </p:cBhvr>
+                                      <p:to>
+                                        <p:strVal val="visible"/>
+                                      </p:to>
+                                    </p:set>
+                                    <p:animEffect transition="in" filter="fade">
+                                      <p:cBhvr>
+                                        <p:cTn id="17" dur="200"/>
+                                        <p:tgtEl>
+                                          <p:spTgt spid="8"/>
+                                        </p:tgtEl>
+                                      </p:cBhvr>
+                                    </p:animEffect>
+                                  </p:childTnLst>
+                                </p:cTn>
+                              </p:par>
+                            </p:childTnLst>
+                          </p:cTn>
+                        </p:par>
+                      </p:childTnLst>
+                    </p:cTn>
+                  </p:par>
+                  <p:par>
+                    <p:cTn id="18" fill="hold">
+                      <p:stCondLst>
+                        <p:cond delay="indefinite"/>
+                      </p:stCondLst>
+                      <p:childTnLst>
+                        <p:par>
+                          <p:cTn id="19" fill="hold">
+                            <p:stCondLst>
+                              <p:cond delay="0"/>
+                            </p:stCondLst>
+                            <p:childTnLst>
+                              <p:par>
+                                <p:cTn id="20" presetID="10" presetClass="entr" presetSubtype="0" fill="hold" grpId="0" nodeType="clickEffect">
+                                  <p:stCondLst>
+                                    <p:cond delay="0"/>
+                                  </p:stCondLst>
+                                  <p:childTnLst>
+                                    <p:set>
+                                      <p:cBhvr>
+                                        <p:cTn id="21" dur="1" fill="hold">
+                                          <p:stCondLst>
+                                            <p:cond delay="0"/>
+                                          </p:stCondLst>
+                                        </p:cTn>
+                                        <p:tgtEl>
+                                          <p:spTgt spid="10"/>
+                                        </p:tgtEl>
+                                        <p:attrNameLst>
+                                          <p:attrName>style.visibility</p:attrName>
+                                        </p:attrNameLst>
+                                      </p:cBhvr>
+                                      <p:to>
+                                        <p:strVal val="visible"/>
+                                      </p:to>
+                                    </p:set>
+                                    <p:animEffect transition="in" filter="fade">
+                                      <p:cBhvr>
+                                        <p:cTn id="22" dur="200"/>
+                                        <p:tgtEl>
+                                          <p:spTgt spid="10"/>
+                                        </p:tgtEl>
+                                      </p:cBhvr>
+                                    </p:animEffect>
+                                  </p:childTnLst>
+                                </p:cTn>
+                              </p:par>
+                            </p:childTnLst>
+                          </p:cTn>
+                        </p:par>
+                      </p:childTnLst>
+                    </p:cTn>
+                  </p:par>
+                  <p:par>
+                    <p:cTn id="23" fill="hold">
+                      <p:stCondLst>
+                        <p:cond delay="indefinite"/>
+                      </p:stCondLst>
+                      <p:childTnLst>
+                        <p:par>
+                          <p:cTn id="24" fill="hold">
+                            <p:stCondLst>
+                              <p:cond delay="0"/>
+                            </p:stCondLst>
+                            <p:childTnLst>
+                              <p:par>
+                                <p:cTn id="25" presetID="10" presetClass="entr" presetSubtype="0" fill="hold" grpId="0" nodeType="clickEffect">
+                                  <p:stCondLst>
+                                    <p:cond delay="0"/>
+                                  </p:stCondLst>
+                                  <p:childTnLst>
+                                    <p:set>
+                                      <p:cBhvr>
+                                        <p:cTn id="26" dur="1" fill="hold">
+                                          <p:stCondLst>
+                                            <p:cond delay="0"/>
+                                          </p:stCondLst>
+                                        </p:cTn>
+                                        <p:tgtEl>
+                                          <p:spTgt spid="7"/>
+                                        </p:tgtEl>
+                                        <p:attrNameLst>
+                                          <p:attrName>style.visibility</p:attrName>
+                                        </p:attrNameLst>
+                                      </p:cBhvr>
+                                      <p:to>
+                                        <p:strVal val="visible"/>
+                                      </p:to>
+                                    </p:set>
+                                    <p:animEffect transition="in" filter="fade">
+                                      <p:cBhvr>
+                                        <p:cTn id="27" dur="200"/>
+                                        <p:tgtEl>
+                                          <p:spTgt spid="7"/>
+                                        </p:tgtEl>
+                                      </p:cBhvr>
+                                    </p:animEffect>
+                                  </p:childTnLst>
+                                </p:cTn>
+                              </p:par>
+                            </p:childTnLst>
+                          </p:cTn>
+                        </p:par>
+                      </p:childTnLst>
+                    </p:cTn>
+                  </p:par>
+                  <p:par>
+                    <p:cTn id="28" fill="hold">
+                      <p:stCondLst>
+                        <p:cond delay="indefinite"/>
+                      </p:stCondLst>
+                      <p:childTnLst>
+                        <p:par>
+                          <p:cTn id="29" fill="hold">
+                            <p:stCondLst>
+                              <p:cond delay="0"/>
+                            </p:stCondLst>
+                            <p:childTnLst>
+                              <p:par>
+                                <p:cTn id="30" presetID="10" presetClass="entr" presetSubtype="0" fill="hold" grpId="0" nodeType="clickEffect">
+                                  <p:stCondLst>
+                                    <p:cond delay="0"/>
+                                  </p:stCondLst>
+                                  <p:childTnLst>
+                                    <p:set>
+                                      <p:cBhvr>
+                                        <p:cTn id="31" dur="1" fill="hold">
+                                          <p:stCondLst>
+                                            <p:cond delay="0"/>
+                                          </p:stCondLst>
+                                        </p:cTn>
+                                        <p:tgtEl>
+                                          <p:spTgt spid="13"/>
+                                        </p:tgtEl>
+                                        <p:attrNameLst>
+                                          <p:attrName>style.visibility</p:attrName>
+                                        </p:attrNameLst>
+                                      </p:cBhvr>
+                                      <p:to>
+                                        <p:strVal val="visible"/>
+                                      </p:to>
+                                    </p:set>
+                                    <p:animEffect transition="in" filter="fade">
+                                      <p:cBhvr>
+                                        <p:cTn id="32" dur="200"/>
+                                        <p:tgtEl>
+                                          <p:spTgt spid="13"/>
+                                        </p:tgtEl>
+                                      </p:cBhvr>
+                                    </p:animEffect>
+                                  </p:childTnLst>
+                                </p:cTn>
+                              </p:par>
+                            </p:childTnLst>
+                          </p:cTn>
+                        </p:par>
+                      </p:childTnLst>
+                    </p:cTn>
+                  </p:par>
+                  <p:par>
+                    <p:cTn id="33" fill="hold">
+                      <p:stCondLst>
+                        <p:cond delay="indefinite"/>
+                      </p:stCondLst>
+                      <p:childTnLst>
+                        <p:par>
+                          <p:cTn id="34" fill="hold">
+                            <p:stCondLst>
+                              <p:cond delay="0"/>
+                            </p:stCondLst>
+                            <p:childTnLst>
+                              <p:par>
+                                <p:cTn id="35" presetID="10" presetClass="entr" presetSubtype="0" fill="hold" grpId="0" nodeType="clickEffect">
+                                  <p:stCondLst>
+                                    <p:cond delay="0"/>
+                                  </p:stCondLst>
+                                  <p:childTnLst>
+                                    <p:set>
+                                      <p:cBhvr>
+                                        <p:cTn id="36" dur="1" fill="hold">
+                                          <p:stCondLst>
+                                            <p:cond delay="0"/>
+                                          </p:stCondLst>
+                                        </p:cTn>
+                                        <p:tgtEl>
+                                          <p:spTgt spid="12"/>
+                                        </p:tgtEl>
+                                        <p:attrNameLst>
+                                          <p:attrName>style.visibility</p:attrName>
+                                        </p:attrNameLst>
+                                      </p:cBhvr>
+                                      <p:to>
+                                        <p:strVal val="visible"/>
+                                      </p:to>
+                                    </p:set>
+                                    <p:animEffect transition="in" filter="fade">
+                                      <p:cBhvr>
+                                        <p:cTn id="37" dur="200"/>
+                                        <p:tgtEl>
+                                          <p:spTgt spid="12"/>
+                                        </p:tgtEl>
+                                      </p:cBhvr>
+                                    </p:animEffect>
+                                  </p:childTnLst>
+                                </p:cTn>
+                              </p:par>
+                            </p:childTnLst>
+                          </p:cTn>
+                        </p:par>
+                      </p:childTnLst>
+                    </p:cTn>
+                  </p:par>
+                </p:childTnLst>
+              </p:cTn>
+              <p:prevCondLst>
+                <p:cond evt="onPrev" delay="0">
+                  <p:tgtEl>
+                    <p:sldTgt/>
+                  </p:tgtEl>
+                </p:cond>
+              </p:prevCondLst>
+              <p:nextCondLst>
+                <p:cond evt="onNext" delay="0">
+                  <p:tgtEl>
+                    <p:sldTgt/>
+                  </p:tgtEl>
+                </p:cond>
+              </p:nextCondLst>
+            </p:seq>
+          </p:childTnLst>
+        </p:cTn>
+      </p:par>
+    </p:tnLst>
+    <p:bldLst>
+      <p:bldP spid="9" grpId="0"/>
+      <p:bldP spid="7" grpId="0"/>
+      <p:bldP spid="8" grpId="0"/>
+      <p:bldP spid="10" grpId="0" animBg="1"/>
+      <p:bldP spid="11" grpId="0" animBg="1"/>
+      <p:bldP spid="12" grpId="0"/>
+      <p:bldP spid="13" grpId="0" animBg="1"/>
     </p:bldLst>
   </p:timing>
 </p:sld>
